--- a/ppt 16-9/0780.这是我的心愿.pptx
+++ b/ppt 16-9/0780.这是我的心愿.pptx
@@ -129,7 +129,7 @@
           <p:cNvPr id="2" name="标题 1">
             <a:extLst>
               <a:ext uri="{FF2B5EF4-FFF2-40B4-BE49-F238E27FC236}">
-                <a16:creationId xmlns:a16="http://schemas.microsoft.com/office/drawing/2014/main" id="{B5225351-5577-5405-6921-1B3E838A7015}"/>
+                <a16:creationId xmlns:a16="http://schemas.microsoft.com/office/drawing/2014/main" id="{847FE1ED-041D-42EA-ECBD-EDE3D83AF43D}"/>
               </a:ext>
             </a:extLst>
           </p:cNvPr>
@@ -166,7 +166,7 @@
           <p:cNvPr id="3" name="副标题 2">
             <a:extLst>
               <a:ext uri="{FF2B5EF4-FFF2-40B4-BE49-F238E27FC236}">
-                <a16:creationId xmlns:a16="http://schemas.microsoft.com/office/drawing/2014/main" id="{D5DF9020-13CC-81E7-370D-8B6BAFF78A3E}"/>
+                <a16:creationId xmlns:a16="http://schemas.microsoft.com/office/drawing/2014/main" id="{4A3B46BA-AA5C-E757-F17B-993249EF0AFD}"/>
               </a:ext>
             </a:extLst>
           </p:cNvPr>
@@ -236,7 +236,7 @@
           <p:cNvPr id="4" name="日期占位符 3">
             <a:extLst>
               <a:ext uri="{FF2B5EF4-FFF2-40B4-BE49-F238E27FC236}">
-                <a16:creationId xmlns:a16="http://schemas.microsoft.com/office/drawing/2014/main" id="{8B403FA9-91BC-F713-7C12-146AA712259F}"/>
+                <a16:creationId xmlns:a16="http://schemas.microsoft.com/office/drawing/2014/main" id="{F200312E-DB7B-563A-4111-EC71404008C4}"/>
               </a:ext>
             </a:extLst>
           </p:cNvPr>
@@ -252,7 +252,7 @@
           <a:bodyPr/>
           <a:lstStyle/>
           <a:p>
-            <a:fld id="{4519CA8D-13AD-4D97-AF05-969E463EBBA0}" type="datetimeFigureOut">
+            <a:fld id="{F452B307-13EB-4332-B702-24B4FFBA0315}" type="datetimeFigureOut">
               <a:rPr lang="zh-CN" altLang="en-US" smtClean="0"/>
               <a:t>2024/3/10</a:t>
             </a:fld>
@@ -265,7 +265,7 @@
           <p:cNvPr id="5" name="页脚占位符 4">
             <a:extLst>
               <a:ext uri="{FF2B5EF4-FFF2-40B4-BE49-F238E27FC236}">
-                <a16:creationId xmlns:a16="http://schemas.microsoft.com/office/drawing/2014/main" id="{243FF9A4-950B-DDA3-4CBC-C855EF790FF5}"/>
+                <a16:creationId xmlns:a16="http://schemas.microsoft.com/office/drawing/2014/main" id="{CBC7DE4C-1D53-ED0E-2080-0932D2A70392}"/>
               </a:ext>
             </a:extLst>
           </p:cNvPr>
@@ -290,7 +290,7 @@
           <p:cNvPr id="6" name="灯片编号占位符 5">
             <a:extLst>
               <a:ext uri="{FF2B5EF4-FFF2-40B4-BE49-F238E27FC236}">
-                <a16:creationId xmlns:a16="http://schemas.microsoft.com/office/drawing/2014/main" id="{C6134E71-3A7B-E824-E535-9E83317CFA20}"/>
+                <a16:creationId xmlns:a16="http://schemas.microsoft.com/office/drawing/2014/main" id="{9FC38624-502B-7023-2AEA-EA65173E3536}"/>
               </a:ext>
             </a:extLst>
           </p:cNvPr>
@@ -306,7 +306,7 @@
           <a:bodyPr/>
           <a:lstStyle/>
           <a:p>
-            <a:fld id="{86260462-860C-4A93-BCC2-121A72E560C0}" type="slidenum">
+            <a:fld id="{736E9CE9-6554-44B1-BB83-294730CD553D}" type="slidenum">
               <a:rPr lang="zh-CN" altLang="en-US" smtClean="0"/>
               <a:t>‹#›</a:t>
             </a:fld>
@@ -317,7 +317,7 @@
     </p:spTree>
     <p:extLst>
       <p:ext uri="{BB962C8B-B14F-4D97-AF65-F5344CB8AC3E}">
-        <p14:creationId xmlns:p14="http://schemas.microsoft.com/office/powerpoint/2010/main" val="3343779757"/>
+        <p14:creationId xmlns:p14="http://schemas.microsoft.com/office/powerpoint/2010/main" val="1066249578"/>
       </p:ext>
     </p:extLst>
   </p:cSld>
@@ -349,7 +349,7 @@
           <p:cNvPr id="2" name="标题 1">
             <a:extLst>
               <a:ext uri="{FF2B5EF4-FFF2-40B4-BE49-F238E27FC236}">
-                <a16:creationId xmlns:a16="http://schemas.microsoft.com/office/drawing/2014/main" id="{3E58E925-DB53-365C-1137-89F0BCAA4C53}"/>
+                <a16:creationId xmlns:a16="http://schemas.microsoft.com/office/drawing/2014/main" id="{D15664A1-E40F-02EB-7854-64E43BB860B1}"/>
               </a:ext>
             </a:extLst>
           </p:cNvPr>
@@ -377,7 +377,7 @@
           <p:cNvPr id="3" name="竖排文字占位符 2">
             <a:extLst>
               <a:ext uri="{FF2B5EF4-FFF2-40B4-BE49-F238E27FC236}">
-                <a16:creationId xmlns:a16="http://schemas.microsoft.com/office/drawing/2014/main" id="{195BDEC0-05A9-9FE6-2F06-7E89BB3103C3}"/>
+                <a16:creationId xmlns:a16="http://schemas.microsoft.com/office/drawing/2014/main" id="{77BFF3D6-3E23-25D0-AD4D-C3B03CCD0CEE}"/>
               </a:ext>
             </a:extLst>
           </p:cNvPr>
@@ -434,7 +434,7 @@
           <p:cNvPr id="4" name="日期占位符 3">
             <a:extLst>
               <a:ext uri="{FF2B5EF4-FFF2-40B4-BE49-F238E27FC236}">
-                <a16:creationId xmlns:a16="http://schemas.microsoft.com/office/drawing/2014/main" id="{1BF4C301-AA33-EAAF-0DB3-0F09F2334ED3}"/>
+                <a16:creationId xmlns:a16="http://schemas.microsoft.com/office/drawing/2014/main" id="{FA215871-66A1-368E-EA67-5F2519981A2D}"/>
               </a:ext>
             </a:extLst>
           </p:cNvPr>
@@ -450,7 +450,7 @@
           <a:bodyPr/>
           <a:lstStyle/>
           <a:p>
-            <a:fld id="{4519CA8D-13AD-4D97-AF05-969E463EBBA0}" type="datetimeFigureOut">
+            <a:fld id="{F452B307-13EB-4332-B702-24B4FFBA0315}" type="datetimeFigureOut">
               <a:rPr lang="zh-CN" altLang="en-US" smtClean="0"/>
               <a:t>2024/3/10</a:t>
             </a:fld>
@@ -463,7 +463,7 @@
           <p:cNvPr id="5" name="页脚占位符 4">
             <a:extLst>
               <a:ext uri="{FF2B5EF4-FFF2-40B4-BE49-F238E27FC236}">
-                <a16:creationId xmlns:a16="http://schemas.microsoft.com/office/drawing/2014/main" id="{75BF1D50-1052-ECFB-42D9-8256F2FD5D84}"/>
+                <a16:creationId xmlns:a16="http://schemas.microsoft.com/office/drawing/2014/main" id="{FF5C526F-F6E7-3E40-E2BE-F70B142C6604}"/>
               </a:ext>
             </a:extLst>
           </p:cNvPr>
@@ -488,7 +488,7 @@
           <p:cNvPr id="6" name="灯片编号占位符 5">
             <a:extLst>
               <a:ext uri="{FF2B5EF4-FFF2-40B4-BE49-F238E27FC236}">
-                <a16:creationId xmlns:a16="http://schemas.microsoft.com/office/drawing/2014/main" id="{6B6CA119-EFB6-A4AF-09B4-B73DAE458B2B}"/>
+                <a16:creationId xmlns:a16="http://schemas.microsoft.com/office/drawing/2014/main" id="{9653C8D6-4CF7-7963-7950-BB618C7DE2DE}"/>
               </a:ext>
             </a:extLst>
           </p:cNvPr>
@@ -504,7 +504,7 @@
           <a:bodyPr/>
           <a:lstStyle/>
           <a:p>
-            <a:fld id="{86260462-860C-4A93-BCC2-121A72E560C0}" type="slidenum">
+            <a:fld id="{736E9CE9-6554-44B1-BB83-294730CD553D}" type="slidenum">
               <a:rPr lang="zh-CN" altLang="en-US" smtClean="0"/>
               <a:t>‹#›</a:t>
             </a:fld>
@@ -515,7 +515,7 @@
     </p:spTree>
     <p:extLst>
       <p:ext uri="{BB962C8B-B14F-4D97-AF65-F5344CB8AC3E}">
-        <p14:creationId xmlns:p14="http://schemas.microsoft.com/office/powerpoint/2010/main" val="3079825099"/>
+        <p14:creationId xmlns:p14="http://schemas.microsoft.com/office/powerpoint/2010/main" val="4231366119"/>
       </p:ext>
     </p:extLst>
   </p:cSld>
@@ -547,7 +547,7 @@
           <p:cNvPr id="2" name="竖排标题 1">
             <a:extLst>
               <a:ext uri="{FF2B5EF4-FFF2-40B4-BE49-F238E27FC236}">
-                <a16:creationId xmlns:a16="http://schemas.microsoft.com/office/drawing/2014/main" id="{9C15FB23-0F76-7317-9D4B-94BFDCD9B750}"/>
+                <a16:creationId xmlns:a16="http://schemas.microsoft.com/office/drawing/2014/main" id="{6B10CB44-3E7A-8B7F-A87D-82771D7B7033}"/>
               </a:ext>
             </a:extLst>
           </p:cNvPr>
@@ -580,7 +580,7 @@
           <p:cNvPr id="3" name="竖排文字占位符 2">
             <a:extLst>
               <a:ext uri="{FF2B5EF4-FFF2-40B4-BE49-F238E27FC236}">
-                <a16:creationId xmlns:a16="http://schemas.microsoft.com/office/drawing/2014/main" id="{5ACB23BF-09B3-DD2A-5E09-13D811145CAA}"/>
+                <a16:creationId xmlns:a16="http://schemas.microsoft.com/office/drawing/2014/main" id="{E6C38492-DB14-ABFA-BF86-12D978C604AA}"/>
               </a:ext>
             </a:extLst>
           </p:cNvPr>
@@ -642,7 +642,7 @@
           <p:cNvPr id="4" name="日期占位符 3">
             <a:extLst>
               <a:ext uri="{FF2B5EF4-FFF2-40B4-BE49-F238E27FC236}">
-                <a16:creationId xmlns:a16="http://schemas.microsoft.com/office/drawing/2014/main" id="{F80BAAAC-24E2-056B-6017-9E0A72447AF9}"/>
+                <a16:creationId xmlns:a16="http://schemas.microsoft.com/office/drawing/2014/main" id="{C1621885-5EFB-1F8B-C841-3573CD219B46}"/>
               </a:ext>
             </a:extLst>
           </p:cNvPr>
@@ -658,7 +658,7 @@
           <a:bodyPr/>
           <a:lstStyle/>
           <a:p>
-            <a:fld id="{4519CA8D-13AD-4D97-AF05-969E463EBBA0}" type="datetimeFigureOut">
+            <a:fld id="{F452B307-13EB-4332-B702-24B4FFBA0315}" type="datetimeFigureOut">
               <a:rPr lang="zh-CN" altLang="en-US" smtClean="0"/>
               <a:t>2024/3/10</a:t>
             </a:fld>
@@ -671,7 +671,7 @@
           <p:cNvPr id="5" name="页脚占位符 4">
             <a:extLst>
               <a:ext uri="{FF2B5EF4-FFF2-40B4-BE49-F238E27FC236}">
-                <a16:creationId xmlns:a16="http://schemas.microsoft.com/office/drawing/2014/main" id="{CB5763D0-84E4-6577-0BDF-B00CCA839578}"/>
+                <a16:creationId xmlns:a16="http://schemas.microsoft.com/office/drawing/2014/main" id="{4F93BDB7-370E-08F7-6B81-C7DEC5E788B8}"/>
               </a:ext>
             </a:extLst>
           </p:cNvPr>
@@ -696,7 +696,7 @@
           <p:cNvPr id="6" name="灯片编号占位符 5">
             <a:extLst>
               <a:ext uri="{FF2B5EF4-FFF2-40B4-BE49-F238E27FC236}">
-                <a16:creationId xmlns:a16="http://schemas.microsoft.com/office/drawing/2014/main" id="{0C5114E9-1356-E835-B1CB-3494B77675C8}"/>
+                <a16:creationId xmlns:a16="http://schemas.microsoft.com/office/drawing/2014/main" id="{7083F22B-6640-18F5-22A5-5FC0475F67A7}"/>
               </a:ext>
             </a:extLst>
           </p:cNvPr>
@@ -712,7 +712,7 @@
           <a:bodyPr/>
           <a:lstStyle/>
           <a:p>
-            <a:fld id="{86260462-860C-4A93-BCC2-121A72E560C0}" type="slidenum">
+            <a:fld id="{736E9CE9-6554-44B1-BB83-294730CD553D}" type="slidenum">
               <a:rPr lang="zh-CN" altLang="en-US" smtClean="0"/>
               <a:t>‹#›</a:t>
             </a:fld>
@@ -723,7 +723,7 @@
     </p:spTree>
     <p:extLst>
       <p:ext uri="{BB962C8B-B14F-4D97-AF65-F5344CB8AC3E}">
-        <p14:creationId xmlns:p14="http://schemas.microsoft.com/office/powerpoint/2010/main" val="4021877016"/>
+        <p14:creationId xmlns:p14="http://schemas.microsoft.com/office/powerpoint/2010/main" val="3821000550"/>
       </p:ext>
     </p:extLst>
   </p:cSld>
@@ -755,7 +755,7 @@
           <p:cNvPr id="2" name="标题 1">
             <a:extLst>
               <a:ext uri="{FF2B5EF4-FFF2-40B4-BE49-F238E27FC236}">
-                <a16:creationId xmlns:a16="http://schemas.microsoft.com/office/drawing/2014/main" id="{E0CBF351-B82B-BD1A-617A-4B7D3EC68287}"/>
+                <a16:creationId xmlns:a16="http://schemas.microsoft.com/office/drawing/2014/main" id="{98AF3EBB-91EE-8BF2-3970-008D89192E31}"/>
               </a:ext>
             </a:extLst>
           </p:cNvPr>
@@ -783,7 +783,7 @@
           <p:cNvPr id="3" name="内容占位符 2">
             <a:extLst>
               <a:ext uri="{FF2B5EF4-FFF2-40B4-BE49-F238E27FC236}">
-                <a16:creationId xmlns:a16="http://schemas.microsoft.com/office/drawing/2014/main" id="{FB773139-ECEB-8359-BD53-67C90487AB44}"/>
+                <a16:creationId xmlns:a16="http://schemas.microsoft.com/office/drawing/2014/main" id="{05DD31FE-7836-470B-E981-AA00A194E3F0}"/>
               </a:ext>
             </a:extLst>
           </p:cNvPr>
@@ -840,7 +840,7 @@
           <p:cNvPr id="4" name="日期占位符 3">
             <a:extLst>
               <a:ext uri="{FF2B5EF4-FFF2-40B4-BE49-F238E27FC236}">
-                <a16:creationId xmlns:a16="http://schemas.microsoft.com/office/drawing/2014/main" id="{213C19CD-8818-5FBC-F6D2-130E58E79D9D}"/>
+                <a16:creationId xmlns:a16="http://schemas.microsoft.com/office/drawing/2014/main" id="{B846F836-3089-EDC5-320F-8571134AFF86}"/>
               </a:ext>
             </a:extLst>
           </p:cNvPr>
@@ -856,7 +856,7 @@
           <a:bodyPr/>
           <a:lstStyle/>
           <a:p>
-            <a:fld id="{4519CA8D-13AD-4D97-AF05-969E463EBBA0}" type="datetimeFigureOut">
+            <a:fld id="{F452B307-13EB-4332-B702-24B4FFBA0315}" type="datetimeFigureOut">
               <a:rPr lang="zh-CN" altLang="en-US" smtClean="0"/>
               <a:t>2024/3/10</a:t>
             </a:fld>
@@ -869,7 +869,7 @@
           <p:cNvPr id="5" name="页脚占位符 4">
             <a:extLst>
               <a:ext uri="{FF2B5EF4-FFF2-40B4-BE49-F238E27FC236}">
-                <a16:creationId xmlns:a16="http://schemas.microsoft.com/office/drawing/2014/main" id="{CD87BFD5-5B1C-B226-A76B-E9D5C878AD78}"/>
+                <a16:creationId xmlns:a16="http://schemas.microsoft.com/office/drawing/2014/main" id="{B6682CA3-2599-1F82-B54E-0A7ABFF7139C}"/>
               </a:ext>
             </a:extLst>
           </p:cNvPr>
@@ -894,7 +894,7 @@
           <p:cNvPr id="6" name="灯片编号占位符 5">
             <a:extLst>
               <a:ext uri="{FF2B5EF4-FFF2-40B4-BE49-F238E27FC236}">
-                <a16:creationId xmlns:a16="http://schemas.microsoft.com/office/drawing/2014/main" id="{85D07400-455B-274A-B6CC-1FA71548A753}"/>
+                <a16:creationId xmlns:a16="http://schemas.microsoft.com/office/drawing/2014/main" id="{FB65CC9A-F164-8E61-EECF-1DF8B9B815F0}"/>
               </a:ext>
             </a:extLst>
           </p:cNvPr>
@@ -910,7 +910,7 @@
           <a:bodyPr/>
           <a:lstStyle/>
           <a:p>
-            <a:fld id="{86260462-860C-4A93-BCC2-121A72E560C0}" type="slidenum">
+            <a:fld id="{736E9CE9-6554-44B1-BB83-294730CD553D}" type="slidenum">
               <a:rPr lang="zh-CN" altLang="en-US" smtClean="0"/>
               <a:t>‹#›</a:t>
             </a:fld>
@@ -921,7 +921,7 @@
     </p:spTree>
     <p:extLst>
       <p:ext uri="{BB962C8B-B14F-4D97-AF65-F5344CB8AC3E}">
-        <p14:creationId xmlns:p14="http://schemas.microsoft.com/office/powerpoint/2010/main" val="586351183"/>
+        <p14:creationId xmlns:p14="http://schemas.microsoft.com/office/powerpoint/2010/main" val="2659973804"/>
       </p:ext>
     </p:extLst>
   </p:cSld>
@@ -953,7 +953,7 @@
           <p:cNvPr id="2" name="标题 1">
             <a:extLst>
               <a:ext uri="{FF2B5EF4-FFF2-40B4-BE49-F238E27FC236}">
-                <a16:creationId xmlns:a16="http://schemas.microsoft.com/office/drawing/2014/main" id="{D261BF93-5060-1D91-53E7-F05F8680DD6F}"/>
+                <a16:creationId xmlns:a16="http://schemas.microsoft.com/office/drawing/2014/main" id="{81880CFA-4F74-F724-83DC-40A0B8A04AC6}"/>
               </a:ext>
             </a:extLst>
           </p:cNvPr>
@@ -990,7 +990,7 @@
           <p:cNvPr id="3" name="文本占位符 2">
             <a:extLst>
               <a:ext uri="{FF2B5EF4-FFF2-40B4-BE49-F238E27FC236}">
-                <a16:creationId xmlns:a16="http://schemas.microsoft.com/office/drawing/2014/main" id="{96AA5138-060B-2C15-B2FD-CE0307FE8250}"/>
+                <a16:creationId xmlns:a16="http://schemas.microsoft.com/office/drawing/2014/main" id="{F0BA611B-D772-2252-2AEB-E8D5657AE40D}"/>
               </a:ext>
             </a:extLst>
           </p:cNvPr>
@@ -1115,7 +1115,7 @@
           <p:cNvPr id="4" name="日期占位符 3">
             <a:extLst>
               <a:ext uri="{FF2B5EF4-FFF2-40B4-BE49-F238E27FC236}">
-                <a16:creationId xmlns:a16="http://schemas.microsoft.com/office/drawing/2014/main" id="{E8AE71AF-D75A-1BA2-072E-80CF944F7CA9}"/>
+                <a16:creationId xmlns:a16="http://schemas.microsoft.com/office/drawing/2014/main" id="{B8A0767F-01F7-04EC-327A-84D08A7ABD4F}"/>
               </a:ext>
             </a:extLst>
           </p:cNvPr>
@@ -1131,7 +1131,7 @@
           <a:bodyPr/>
           <a:lstStyle/>
           <a:p>
-            <a:fld id="{4519CA8D-13AD-4D97-AF05-969E463EBBA0}" type="datetimeFigureOut">
+            <a:fld id="{F452B307-13EB-4332-B702-24B4FFBA0315}" type="datetimeFigureOut">
               <a:rPr lang="zh-CN" altLang="en-US" smtClean="0"/>
               <a:t>2024/3/10</a:t>
             </a:fld>
@@ -1144,7 +1144,7 @@
           <p:cNvPr id="5" name="页脚占位符 4">
             <a:extLst>
               <a:ext uri="{FF2B5EF4-FFF2-40B4-BE49-F238E27FC236}">
-                <a16:creationId xmlns:a16="http://schemas.microsoft.com/office/drawing/2014/main" id="{0323149D-3111-72D3-3AB1-4E73A36FEB93}"/>
+                <a16:creationId xmlns:a16="http://schemas.microsoft.com/office/drawing/2014/main" id="{A004C5C9-72C1-6879-79E8-6654027F4EA7}"/>
               </a:ext>
             </a:extLst>
           </p:cNvPr>
@@ -1169,7 +1169,7 @@
           <p:cNvPr id="6" name="灯片编号占位符 5">
             <a:extLst>
               <a:ext uri="{FF2B5EF4-FFF2-40B4-BE49-F238E27FC236}">
-                <a16:creationId xmlns:a16="http://schemas.microsoft.com/office/drawing/2014/main" id="{808C0B35-9E5B-B06C-9AB4-CB7C84D8E293}"/>
+                <a16:creationId xmlns:a16="http://schemas.microsoft.com/office/drawing/2014/main" id="{7A25CCED-1577-659F-17FD-ECFC0B8C8D23}"/>
               </a:ext>
             </a:extLst>
           </p:cNvPr>
@@ -1185,7 +1185,7 @@
           <a:bodyPr/>
           <a:lstStyle/>
           <a:p>
-            <a:fld id="{86260462-860C-4A93-BCC2-121A72E560C0}" type="slidenum">
+            <a:fld id="{736E9CE9-6554-44B1-BB83-294730CD553D}" type="slidenum">
               <a:rPr lang="zh-CN" altLang="en-US" smtClean="0"/>
               <a:t>‹#›</a:t>
             </a:fld>
@@ -1196,7 +1196,7 @@
     </p:spTree>
     <p:extLst>
       <p:ext uri="{BB962C8B-B14F-4D97-AF65-F5344CB8AC3E}">
-        <p14:creationId xmlns:p14="http://schemas.microsoft.com/office/powerpoint/2010/main" val="1430950689"/>
+        <p14:creationId xmlns:p14="http://schemas.microsoft.com/office/powerpoint/2010/main" val="2583474237"/>
       </p:ext>
     </p:extLst>
   </p:cSld>
@@ -1228,7 +1228,7 @@
           <p:cNvPr id="2" name="标题 1">
             <a:extLst>
               <a:ext uri="{FF2B5EF4-FFF2-40B4-BE49-F238E27FC236}">
-                <a16:creationId xmlns:a16="http://schemas.microsoft.com/office/drawing/2014/main" id="{19F25AA7-8406-C78D-82F5-5A698E456C0B}"/>
+                <a16:creationId xmlns:a16="http://schemas.microsoft.com/office/drawing/2014/main" id="{E111FA61-BC20-9B1E-E049-35CA12D97D2F}"/>
               </a:ext>
             </a:extLst>
           </p:cNvPr>
@@ -1256,7 +1256,7 @@
           <p:cNvPr id="3" name="内容占位符 2">
             <a:extLst>
               <a:ext uri="{FF2B5EF4-FFF2-40B4-BE49-F238E27FC236}">
-                <a16:creationId xmlns:a16="http://schemas.microsoft.com/office/drawing/2014/main" id="{B3E7DA19-9089-0DEB-758D-AEC66AC542EE}"/>
+                <a16:creationId xmlns:a16="http://schemas.microsoft.com/office/drawing/2014/main" id="{20ED52C4-53A4-38AE-3AF8-B4C249B8E009}"/>
               </a:ext>
             </a:extLst>
           </p:cNvPr>
@@ -1318,7 +1318,7 @@
           <p:cNvPr id="4" name="内容占位符 3">
             <a:extLst>
               <a:ext uri="{FF2B5EF4-FFF2-40B4-BE49-F238E27FC236}">
-                <a16:creationId xmlns:a16="http://schemas.microsoft.com/office/drawing/2014/main" id="{F203E54B-70C4-588D-BCDD-073C2C3FBCE6}"/>
+                <a16:creationId xmlns:a16="http://schemas.microsoft.com/office/drawing/2014/main" id="{811EC4FC-DFF8-DE2C-2AD7-EB2F9F90AE0E}"/>
               </a:ext>
             </a:extLst>
           </p:cNvPr>
@@ -1380,7 +1380,7 @@
           <p:cNvPr id="5" name="日期占位符 4">
             <a:extLst>
               <a:ext uri="{FF2B5EF4-FFF2-40B4-BE49-F238E27FC236}">
-                <a16:creationId xmlns:a16="http://schemas.microsoft.com/office/drawing/2014/main" id="{ED2AF8F9-D8DA-3438-0628-C50D82434F7C}"/>
+                <a16:creationId xmlns:a16="http://schemas.microsoft.com/office/drawing/2014/main" id="{3499C503-981A-E04A-4339-4E6589BBA2BC}"/>
               </a:ext>
             </a:extLst>
           </p:cNvPr>
@@ -1396,7 +1396,7 @@
           <a:bodyPr/>
           <a:lstStyle/>
           <a:p>
-            <a:fld id="{4519CA8D-13AD-4D97-AF05-969E463EBBA0}" type="datetimeFigureOut">
+            <a:fld id="{F452B307-13EB-4332-B702-24B4FFBA0315}" type="datetimeFigureOut">
               <a:rPr lang="zh-CN" altLang="en-US" smtClean="0"/>
               <a:t>2024/3/10</a:t>
             </a:fld>
@@ -1409,7 +1409,7 @@
           <p:cNvPr id="6" name="页脚占位符 5">
             <a:extLst>
               <a:ext uri="{FF2B5EF4-FFF2-40B4-BE49-F238E27FC236}">
-                <a16:creationId xmlns:a16="http://schemas.microsoft.com/office/drawing/2014/main" id="{E62BD694-79AC-C8EA-E36E-45A898F001AA}"/>
+                <a16:creationId xmlns:a16="http://schemas.microsoft.com/office/drawing/2014/main" id="{34AEA7E5-D509-4912-0774-6F9F1650E3C5}"/>
               </a:ext>
             </a:extLst>
           </p:cNvPr>
@@ -1434,7 +1434,7 @@
           <p:cNvPr id="7" name="灯片编号占位符 6">
             <a:extLst>
               <a:ext uri="{FF2B5EF4-FFF2-40B4-BE49-F238E27FC236}">
-                <a16:creationId xmlns:a16="http://schemas.microsoft.com/office/drawing/2014/main" id="{851B0662-F3E0-2FEA-7171-D553D85C95BD}"/>
+                <a16:creationId xmlns:a16="http://schemas.microsoft.com/office/drawing/2014/main" id="{5D7CA317-F0D3-9A41-8D75-C134174AC4BB}"/>
               </a:ext>
             </a:extLst>
           </p:cNvPr>
@@ -1450,7 +1450,7 @@
           <a:bodyPr/>
           <a:lstStyle/>
           <a:p>
-            <a:fld id="{86260462-860C-4A93-BCC2-121A72E560C0}" type="slidenum">
+            <a:fld id="{736E9CE9-6554-44B1-BB83-294730CD553D}" type="slidenum">
               <a:rPr lang="zh-CN" altLang="en-US" smtClean="0"/>
               <a:t>‹#›</a:t>
             </a:fld>
@@ -1461,7 +1461,7 @@
     </p:spTree>
     <p:extLst>
       <p:ext uri="{BB962C8B-B14F-4D97-AF65-F5344CB8AC3E}">
-        <p14:creationId xmlns:p14="http://schemas.microsoft.com/office/powerpoint/2010/main" val="1286821957"/>
+        <p14:creationId xmlns:p14="http://schemas.microsoft.com/office/powerpoint/2010/main" val="283807565"/>
       </p:ext>
     </p:extLst>
   </p:cSld>
@@ -1493,7 +1493,7 @@
           <p:cNvPr id="2" name="标题 1">
             <a:extLst>
               <a:ext uri="{FF2B5EF4-FFF2-40B4-BE49-F238E27FC236}">
-                <a16:creationId xmlns:a16="http://schemas.microsoft.com/office/drawing/2014/main" id="{46483917-8D0B-1AD2-1BFD-1F320D5B360E}"/>
+                <a16:creationId xmlns:a16="http://schemas.microsoft.com/office/drawing/2014/main" id="{224A545B-2785-C0A0-E8D5-C5FF35F88ADD}"/>
               </a:ext>
             </a:extLst>
           </p:cNvPr>
@@ -1526,7 +1526,7 @@
           <p:cNvPr id="3" name="文本占位符 2">
             <a:extLst>
               <a:ext uri="{FF2B5EF4-FFF2-40B4-BE49-F238E27FC236}">
-                <a16:creationId xmlns:a16="http://schemas.microsoft.com/office/drawing/2014/main" id="{0224BC5B-4933-8C31-3D53-6C2465091FF6}"/>
+                <a16:creationId xmlns:a16="http://schemas.microsoft.com/office/drawing/2014/main" id="{153F3E4C-2A29-FB9F-E4BE-7B5236F78521}"/>
               </a:ext>
             </a:extLst>
           </p:cNvPr>
@@ -1597,7 +1597,7 @@
           <p:cNvPr id="4" name="内容占位符 3">
             <a:extLst>
               <a:ext uri="{FF2B5EF4-FFF2-40B4-BE49-F238E27FC236}">
-                <a16:creationId xmlns:a16="http://schemas.microsoft.com/office/drawing/2014/main" id="{B8E4DB54-48B8-145A-0B33-9F8493A08B88}"/>
+                <a16:creationId xmlns:a16="http://schemas.microsoft.com/office/drawing/2014/main" id="{D3F2140E-8EB5-81D1-C0AE-93D9F923FEAA}"/>
               </a:ext>
             </a:extLst>
           </p:cNvPr>
@@ -1659,7 +1659,7 @@
           <p:cNvPr id="5" name="文本占位符 4">
             <a:extLst>
               <a:ext uri="{FF2B5EF4-FFF2-40B4-BE49-F238E27FC236}">
-                <a16:creationId xmlns:a16="http://schemas.microsoft.com/office/drawing/2014/main" id="{96188856-61D7-F006-3344-D31E04BA3966}"/>
+                <a16:creationId xmlns:a16="http://schemas.microsoft.com/office/drawing/2014/main" id="{0A449745-7051-C880-4BE4-39C822A019BC}"/>
               </a:ext>
             </a:extLst>
           </p:cNvPr>
@@ -1730,7 +1730,7 @@
           <p:cNvPr id="6" name="内容占位符 5">
             <a:extLst>
               <a:ext uri="{FF2B5EF4-FFF2-40B4-BE49-F238E27FC236}">
-                <a16:creationId xmlns:a16="http://schemas.microsoft.com/office/drawing/2014/main" id="{9FEB28DE-45BB-42FB-3736-5A3F028BAEF6}"/>
+                <a16:creationId xmlns:a16="http://schemas.microsoft.com/office/drawing/2014/main" id="{26A6BC44-0F5D-9408-EE9A-8C6CACCF13DA}"/>
               </a:ext>
             </a:extLst>
           </p:cNvPr>
@@ -1792,7 +1792,7 @@
           <p:cNvPr id="7" name="日期占位符 6">
             <a:extLst>
               <a:ext uri="{FF2B5EF4-FFF2-40B4-BE49-F238E27FC236}">
-                <a16:creationId xmlns:a16="http://schemas.microsoft.com/office/drawing/2014/main" id="{571ECB93-8D59-B1F5-D458-15558E81BC32}"/>
+                <a16:creationId xmlns:a16="http://schemas.microsoft.com/office/drawing/2014/main" id="{13D0E4B4-2DD4-8247-47DB-04D8C1B340C7}"/>
               </a:ext>
             </a:extLst>
           </p:cNvPr>
@@ -1808,7 +1808,7 @@
           <a:bodyPr/>
           <a:lstStyle/>
           <a:p>
-            <a:fld id="{4519CA8D-13AD-4D97-AF05-969E463EBBA0}" type="datetimeFigureOut">
+            <a:fld id="{F452B307-13EB-4332-B702-24B4FFBA0315}" type="datetimeFigureOut">
               <a:rPr lang="zh-CN" altLang="en-US" smtClean="0"/>
               <a:t>2024/3/10</a:t>
             </a:fld>
@@ -1821,7 +1821,7 @@
           <p:cNvPr id="8" name="页脚占位符 7">
             <a:extLst>
               <a:ext uri="{FF2B5EF4-FFF2-40B4-BE49-F238E27FC236}">
-                <a16:creationId xmlns:a16="http://schemas.microsoft.com/office/drawing/2014/main" id="{A69FEF61-1CA7-1AC0-1061-9E082967731E}"/>
+                <a16:creationId xmlns:a16="http://schemas.microsoft.com/office/drawing/2014/main" id="{1C7816C9-4A70-37CF-39EE-8566944C47B8}"/>
               </a:ext>
             </a:extLst>
           </p:cNvPr>
@@ -1846,7 +1846,7 @@
           <p:cNvPr id="9" name="灯片编号占位符 8">
             <a:extLst>
               <a:ext uri="{FF2B5EF4-FFF2-40B4-BE49-F238E27FC236}">
-                <a16:creationId xmlns:a16="http://schemas.microsoft.com/office/drawing/2014/main" id="{A0A101C2-4FA3-4BDD-7DF1-1F4488DBE9F4}"/>
+                <a16:creationId xmlns:a16="http://schemas.microsoft.com/office/drawing/2014/main" id="{E93C0A20-B261-E11C-CE49-E6A80D55971E}"/>
               </a:ext>
             </a:extLst>
           </p:cNvPr>
@@ -1862,7 +1862,7 @@
           <a:bodyPr/>
           <a:lstStyle/>
           <a:p>
-            <a:fld id="{86260462-860C-4A93-BCC2-121A72E560C0}" type="slidenum">
+            <a:fld id="{736E9CE9-6554-44B1-BB83-294730CD553D}" type="slidenum">
               <a:rPr lang="zh-CN" altLang="en-US" smtClean="0"/>
               <a:t>‹#›</a:t>
             </a:fld>
@@ -1873,7 +1873,7 @@
     </p:spTree>
     <p:extLst>
       <p:ext uri="{BB962C8B-B14F-4D97-AF65-F5344CB8AC3E}">
-        <p14:creationId xmlns:p14="http://schemas.microsoft.com/office/powerpoint/2010/main" val="3151265975"/>
+        <p14:creationId xmlns:p14="http://schemas.microsoft.com/office/powerpoint/2010/main" val="2313305867"/>
       </p:ext>
     </p:extLst>
   </p:cSld>
@@ -1905,7 +1905,7 @@
           <p:cNvPr id="2" name="标题 1">
             <a:extLst>
               <a:ext uri="{FF2B5EF4-FFF2-40B4-BE49-F238E27FC236}">
-                <a16:creationId xmlns:a16="http://schemas.microsoft.com/office/drawing/2014/main" id="{7E6457AD-9534-E3F2-A981-865067EC3E5D}"/>
+                <a16:creationId xmlns:a16="http://schemas.microsoft.com/office/drawing/2014/main" id="{1C3F1F7B-8ADD-5DB6-2416-7D660F3EA11A}"/>
               </a:ext>
             </a:extLst>
           </p:cNvPr>
@@ -1933,7 +1933,7 @@
           <p:cNvPr id="3" name="日期占位符 2">
             <a:extLst>
               <a:ext uri="{FF2B5EF4-FFF2-40B4-BE49-F238E27FC236}">
-                <a16:creationId xmlns:a16="http://schemas.microsoft.com/office/drawing/2014/main" id="{E74DA0F9-F3B3-699D-E3A7-083713E0F0D7}"/>
+                <a16:creationId xmlns:a16="http://schemas.microsoft.com/office/drawing/2014/main" id="{38CB06E7-A2DB-D922-3253-EDEF90387D32}"/>
               </a:ext>
             </a:extLst>
           </p:cNvPr>
@@ -1949,7 +1949,7 @@
           <a:bodyPr/>
           <a:lstStyle/>
           <a:p>
-            <a:fld id="{4519CA8D-13AD-4D97-AF05-969E463EBBA0}" type="datetimeFigureOut">
+            <a:fld id="{F452B307-13EB-4332-B702-24B4FFBA0315}" type="datetimeFigureOut">
               <a:rPr lang="zh-CN" altLang="en-US" smtClean="0"/>
               <a:t>2024/3/10</a:t>
             </a:fld>
@@ -1962,7 +1962,7 @@
           <p:cNvPr id="4" name="页脚占位符 3">
             <a:extLst>
               <a:ext uri="{FF2B5EF4-FFF2-40B4-BE49-F238E27FC236}">
-                <a16:creationId xmlns:a16="http://schemas.microsoft.com/office/drawing/2014/main" id="{9166FC12-0CCA-96A0-51DC-61109D4243A3}"/>
+                <a16:creationId xmlns:a16="http://schemas.microsoft.com/office/drawing/2014/main" id="{ABA6702D-5949-472D-2E2F-B5199CD8891A}"/>
               </a:ext>
             </a:extLst>
           </p:cNvPr>
@@ -1987,7 +1987,7 @@
           <p:cNvPr id="5" name="灯片编号占位符 4">
             <a:extLst>
               <a:ext uri="{FF2B5EF4-FFF2-40B4-BE49-F238E27FC236}">
-                <a16:creationId xmlns:a16="http://schemas.microsoft.com/office/drawing/2014/main" id="{89971127-3434-D52C-E5EC-4794E32CCC05}"/>
+                <a16:creationId xmlns:a16="http://schemas.microsoft.com/office/drawing/2014/main" id="{897C4DB9-97D1-CACC-FEFC-F472902227F8}"/>
               </a:ext>
             </a:extLst>
           </p:cNvPr>
@@ -2003,7 +2003,7 @@
           <a:bodyPr/>
           <a:lstStyle/>
           <a:p>
-            <a:fld id="{86260462-860C-4A93-BCC2-121A72E560C0}" type="slidenum">
+            <a:fld id="{736E9CE9-6554-44B1-BB83-294730CD553D}" type="slidenum">
               <a:rPr lang="zh-CN" altLang="en-US" smtClean="0"/>
               <a:t>‹#›</a:t>
             </a:fld>
@@ -2014,7 +2014,7 @@
     </p:spTree>
     <p:extLst>
       <p:ext uri="{BB962C8B-B14F-4D97-AF65-F5344CB8AC3E}">
-        <p14:creationId xmlns:p14="http://schemas.microsoft.com/office/powerpoint/2010/main" val="3957188982"/>
+        <p14:creationId xmlns:p14="http://schemas.microsoft.com/office/powerpoint/2010/main" val="428587959"/>
       </p:ext>
     </p:extLst>
   </p:cSld>
@@ -2046,7 +2046,7 @@
           <p:cNvPr id="2" name="日期占位符 1">
             <a:extLst>
               <a:ext uri="{FF2B5EF4-FFF2-40B4-BE49-F238E27FC236}">
-                <a16:creationId xmlns:a16="http://schemas.microsoft.com/office/drawing/2014/main" id="{6129C248-17A8-C3CA-4D9A-482AAF5B0AE3}"/>
+                <a16:creationId xmlns:a16="http://schemas.microsoft.com/office/drawing/2014/main" id="{0EED2EAC-4277-7D05-096B-9D332436DB7E}"/>
               </a:ext>
             </a:extLst>
           </p:cNvPr>
@@ -2062,7 +2062,7 @@
           <a:bodyPr/>
           <a:lstStyle/>
           <a:p>
-            <a:fld id="{4519CA8D-13AD-4D97-AF05-969E463EBBA0}" type="datetimeFigureOut">
+            <a:fld id="{F452B307-13EB-4332-B702-24B4FFBA0315}" type="datetimeFigureOut">
               <a:rPr lang="zh-CN" altLang="en-US" smtClean="0"/>
               <a:t>2024/3/10</a:t>
             </a:fld>
@@ -2075,7 +2075,7 @@
           <p:cNvPr id="3" name="页脚占位符 2">
             <a:extLst>
               <a:ext uri="{FF2B5EF4-FFF2-40B4-BE49-F238E27FC236}">
-                <a16:creationId xmlns:a16="http://schemas.microsoft.com/office/drawing/2014/main" id="{6AD8DA74-D5DE-658E-A514-506DB7FE3F84}"/>
+                <a16:creationId xmlns:a16="http://schemas.microsoft.com/office/drawing/2014/main" id="{C4C01CBC-F44F-FFD9-9516-8CCB6EA05328}"/>
               </a:ext>
             </a:extLst>
           </p:cNvPr>
@@ -2100,7 +2100,7 @@
           <p:cNvPr id="4" name="灯片编号占位符 3">
             <a:extLst>
               <a:ext uri="{FF2B5EF4-FFF2-40B4-BE49-F238E27FC236}">
-                <a16:creationId xmlns:a16="http://schemas.microsoft.com/office/drawing/2014/main" id="{E046D2E8-92BF-815C-4937-446898607A22}"/>
+                <a16:creationId xmlns:a16="http://schemas.microsoft.com/office/drawing/2014/main" id="{5B28E676-36CD-F6F0-880D-0A30E02B30BE}"/>
               </a:ext>
             </a:extLst>
           </p:cNvPr>
@@ -2116,7 +2116,7 @@
           <a:bodyPr/>
           <a:lstStyle/>
           <a:p>
-            <a:fld id="{86260462-860C-4A93-BCC2-121A72E560C0}" type="slidenum">
+            <a:fld id="{736E9CE9-6554-44B1-BB83-294730CD553D}" type="slidenum">
               <a:rPr lang="zh-CN" altLang="en-US" smtClean="0"/>
               <a:t>‹#›</a:t>
             </a:fld>
@@ -2127,7 +2127,7 @@
     </p:spTree>
     <p:extLst>
       <p:ext uri="{BB962C8B-B14F-4D97-AF65-F5344CB8AC3E}">
-        <p14:creationId xmlns:p14="http://schemas.microsoft.com/office/powerpoint/2010/main" val="1071942111"/>
+        <p14:creationId xmlns:p14="http://schemas.microsoft.com/office/powerpoint/2010/main" val="1991805355"/>
       </p:ext>
     </p:extLst>
   </p:cSld>
@@ -2159,7 +2159,7 @@
           <p:cNvPr id="2" name="标题 1">
             <a:extLst>
               <a:ext uri="{FF2B5EF4-FFF2-40B4-BE49-F238E27FC236}">
-                <a16:creationId xmlns:a16="http://schemas.microsoft.com/office/drawing/2014/main" id="{75E46980-E015-2C12-2A9C-144758F1DF93}"/>
+                <a16:creationId xmlns:a16="http://schemas.microsoft.com/office/drawing/2014/main" id="{317CF955-8780-A7A6-E4E7-99176D85D917}"/>
               </a:ext>
             </a:extLst>
           </p:cNvPr>
@@ -2196,7 +2196,7 @@
           <p:cNvPr id="3" name="内容占位符 2">
             <a:extLst>
               <a:ext uri="{FF2B5EF4-FFF2-40B4-BE49-F238E27FC236}">
-                <a16:creationId xmlns:a16="http://schemas.microsoft.com/office/drawing/2014/main" id="{C91EE708-55C7-9827-3777-129B959AA719}"/>
+                <a16:creationId xmlns:a16="http://schemas.microsoft.com/office/drawing/2014/main" id="{BC52FDDB-EDD6-EAF6-A790-1A2043A30F7A}"/>
               </a:ext>
             </a:extLst>
           </p:cNvPr>
@@ -2286,7 +2286,7 @@
           <p:cNvPr id="4" name="文本占位符 3">
             <a:extLst>
               <a:ext uri="{FF2B5EF4-FFF2-40B4-BE49-F238E27FC236}">
-                <a16:creationId xmlns:a16="http://schemas.microsoft.com/office/drawing/2014/main" id="{9D94C573-7516-DF33-B0DA-ED5593190813}"/>
+                <a16:creationId xmlns:a16="http://schemas.microsoft.com/office/drawing/2014/main" id="{C0A4FBC7-3EBB-71E8-0126-C3DA35FD4627}"/>
               </a:ext>
             </a:extLst>
           </p:cNvPr>
@@ -2357,7 +2357,7 @@
           <p:cNvPr id="5" name="日期占位符 4">
             <a:extLst>
               <a:ext uri="{FF2B5EF4-FFF2-40B4-BE49-F238E27FC236}">
-                <a16:creationId xmlns:a16="http://schemas.microsoft.com/office/drawing/2014/main" id="{A854D432-F2F3-0DF7-A373-1A8184D0B50B}"/>
+                <a16:creationId xmlns:a16="http://schemas.microsoft.com/office/drawing/2014/main" id="{AF30583E-75AE-911D-7F30-DCC2C2F4B60E}"/>
               </a:ext>
             </a:extLst>
           </p:cNvPr>
@@ -2373,7 +2373,7 @@
           <a:bodyPr/>
           <a:lstStyle/>
           <a:p>
-            <a:fld id="{4519CA8D-13AD-4D97-AF05-969E463EBBA0}" type="datetimeFigureOut">
+            <a:fld id="{F452B307-13EB-4332-B702-24B4FFBA0315}" type="datetimeFigureOut">
               <a:rPr lang="zh-CN" altLang="en-US" smtClean="0"/>
               <a:t>2024/3/10</a:t>
             </a:fld>
@@ -2386,7 +2386,7 @@
           <p:cNvPr id="6" name="页脚占位符 5">
             <a:extLst>
               <a:ext uri="{FF2B5EF4-FFF2-40B4-BE49-F238E27FC236}">
-                <a16:creationId xmlns:a16="http://schemas.microsoft.com/office/drawing/2014/main" id="{D3E8B9A0-2EFD-0DFF-AEF5-80EA01D21802}"/>
+                <a16:creationId xmlns:a16="http://schemas.microsoft.com/office/drawing/2014/main" id="{862F0DF1-CFB7-453A-7D54-40E36843628E}"/>
               </a:ext>
             </a:extLst>
           </p:cNvPr>
@@ -2411,7 +2411,7 @@
           <p:cNvPr id="7" name="灯片编号占位符 6">
             <a:extLst>
               <a:ext uri="{FF2B5EF4-FFF2-40B4-BE49-F238E27FC236}">
-                <a16:creationId xmlns:a16="http://schemas.microsoft.com/office/drawing/2014/main" id="{7857A910-E8B5-DD83-6BA6-63B48E307600}"/>
+                <a16:creationId xmlns:a16="http://schemas.microsoft.com/office/drawing/2014/main" id="{D3A82328-DF23-E6AB-0E93-7CFE1314B5EB}"/>
               </a:ext>
             </a:extLst>
           </p:cNvPr>
@@ -2427,7 +2427,7 @@
           <a:bodyPr/>
           <a:lstStyle/>
           <a:p>
-            <a:fld id="{86260462-860C-4A93-BCC2-121A72E560C0}" type="slidenum">
+            <a:fld id="{736E9CE9-6554-44B1-BB83-294730CD553D}" type="slidenum">
               <a:rPr lang="zh-CN" altLang="en-US" smtClean="0"/>
               <a:t>‹#›</a:t>
             </a:fld>
@@ -2438,7 +2438,7 @@
     </p:spTree>
     <p:extLst>
       <p:ext uri="{BB962C8B-B14F-4D97-AF65-F5344CB8AC3E}">
-        <p14:creationId xmlns:p14="http://schemas.microsoft.com/office/powerpoint/2010/main" val="3776537703"/>
+        <p14:creationId xmlns:p14="http://schemas.microsoft.com/office/powerpoint/2010/main" val="1041024315"/>
       </p:ext>
     </p:extLst>
   </p:cSld>
@@ -2470,7 +2470,7 @@
           <p:cNvPr id="2" name="标题 1">
             <a:extLst>
               <a:ext uri="{FF2B5EF4-FFF2-40B4-BE49-F238E27FC236}">
-                <a16:creationId xmlns:a16="http://schemas.microsoft.com/office/drawing/2014/main" id="{98B58CC9-6D7F-BAF3-6383-F8BA0E5B84F0}"/>
+                <a16:creationId xmlns:a16="http://schemas.microsoft.com/office/drawing/2014/main" id="{4D8E1E52-785C-085C-0C91-CE418A64E5C2}"/>
               </a:ext>
             </a:extLst>
           </p:cNvPr>
@@ -2507,7 +2507,7 @@
           <p:cNvPr id="3" name="图片占位符 2">
             <a:extLst>
               <a:ext uri="{FF2B5EF4-FFF2-40B4-BE49-F238E27FC236}">
-                <a16:creationId xmlns:a16="http://schemas.microsoft.com/office/drawing/2014/main" id="{6727772E-76A1-7939-98BD-54B581CBDB95}"/>
+                <a16:creationId xmlns:a16="http://schemas.microsoft.com/office/drawing/2014/main" id="{101B7CAD-0375-CFF1-8390-FB2E80C7B62D}"/>
               </a:ext>
             </a:extLst>
           </p:cNvPr>
@@ -2574,7 +2574,7 @@
           <p:cNvPr id="4" name="文本占位符 3">
             <a:extLst>
               <a:ext uri="{FF2B5EF4-FFF2-40B4-BE49-F238E27FC236}">
-                <a16:creationId xmlns:a16="http://schemas.microsoft.com/office/drawing/2014/main" id="{8639301A-E7A5-E998-8640-09A1ABD6BC1F}"/>
+                <a16:creationId xmlns:a16="http://schemas.microsoft.com/office/drawing/2014/main" id="{0ACCAC2F-38A5-C9CF-526D-08F20F184293}"/>
               </a:ext>
             </a:extLst>
           </p:cNvPr>
@@ -2645,7 +2645,7 @@
           <p:cNvPr id="5" name="日期占位符 4">
             <a:extLst>
               <a:ext uri="{FF2B5EF4-FFF2-40B4-BE49-F238E27FC236}">
-                <a16:creationId xmlns:a16="http://schemas.microsoft.com/office/drawing/2014/main" id="{6B576242-F24D-5FCD-E64A-D9F9B9AD2CB5}"/>
+                <a16:creationId xmlns:a16="http://schemas.microsoft.com/office/drawing/2014/main" id="{AFCE6B2C-4597-A666-87CA-E0323F80ECA4}"/>
               </a:ext>
             </a:extLst>
           </p:cNvPr>
@@ -2661,7 +2661,7 @@
           <a:bodyPr/>
           <a:lstStyle/>
           <a:p>
-            <a:fld id="{4519CA8D-13AD-4D97-AF05-969E463EBBA0}" type="datetimeFigureOut">
+            <a:fld id="{F452B307-13EB-4332-B702-24B4FFBA0315}" type="datetimeFigureOut">
               <a:rPr lang="zh-CN" altLang="en-US" smtClean="0"/>
               <a:t>2024/3/10</a:t>
             </a:fld>
@@ -2674,7 +2674,7 @@
           <p:cNvPr id="6" name="页脚占位符 5">
             <a:extLst>
               <a:ext uri="{FF2B5EF4-FFF2-40B4-BE49-F238E27FC236}">
-                <a16:creationId xmlns:a16="http://schemas.microsoft.com/office/drawing/2014/main" id="{16C2E236-8128-99D3-0AFA-51E5C45AE42D}"/>
+                <a16:creationId xmlns:a16="http://schemas.microsoft.com/office/drawing/2014/main" id="{3CC61124-4E73-A5FE-0C35-D81EE1416988}"/>
               </a:ext>
             </a:extLst>
           </p:cNvPr>
@@ -2699,7 +2699,7 @@
           <p:cNvPr id="7" name="灯片编号占位符 6">
             <a:extLst>
               <a:ext uri="{FF2B5EF4-FFF2-40B4-BE49-F238E27FC236}">
-                <a16:creationId xmlns:a16="http://schemas.microsoft.com/office/drawing/2014/main" id="{47005588-0C5F-A5A6-F5C9-F9562D626E7B}"/>
+                <a16:creationId xmlns:a16="http://schemas.microsoft.com/office/drawing/2014/main" id="{A38025EA-FB91-BC8C-C509-5ABB370E31AD}"/>
               </a:ext>
             </a:extLst>
           </p:cNvPr>
@@ -2715,7 +2715,7 @@
           <a:bodyPr/>
           <a:lstStyle/>
           <a:p>
-            <a:fld id="{86260462-860C-4A93-BCC2-121A72E560C0}" type="slidenum">
+            <a:fld id="{736E9CE9-6554-44B1-BB83-294730CD553D}" type="slidenum">
               <a:rPr lang="zh-CN" altLang="en-US" smtClean="0"/>
               <a:t>‹#›</a:t>
             </a:fld>
@@ -2726,7 +2726,7 @@
     </p:spTree>
     <p:extLst>
       <p:ext uri="{BB962C8B-B14F-4D97-AF65-F5344CB8AC3E}">
-        <p14:creationId xmlns:p14="http://schemas.microsoft.com/office/powerpoint/2010/main" val="1521900439"/>
+        <p14:creationId xmlns:p14="http://schemas.microsoft.com/office/powerpoint/2010/main" val="1319283461"/>
       </p:ext>
     </p:extLst>
   </p:cSld>
@@ -2763,7 +2763,7 @@
           <p:cNvPr id="2" name="标题占位符 1">
             <a:extLst>
               <a:ext uri="{FF2B5EF4-FFF2-40B4-BE49-F238E27FC236}">
-                <a16:creationId xmlns:a16="http://schemas.microsoft.com/office/drawing/2014/main" id="{F2F87819-30EA-E625-C48E-7381BB2AA063}"/>
+                <a16:creationId xmlns:a16="http://schemas.microsoft.com/office/drawing/2014/main" id="{FB3E1448-AFBB-92B5-7FF4-DE13DA1AAA0C}"/>
               </a:ext>
             </a:extLst>
           </p:cNvPr>
@@ -2801,7 +2801,7 @@
           <p:cNvPr id="3" name="文本占位符 2">
             <a:extLst>
               <a:ext uri="{FF2B5EF4-FFF2-40B4-BE49-F238E27FC236}">
-                <a16:creationId xmlns:a16="http://schemas.microsoft.com/office/drawing/2014/main" id="{066A0D78-2D14-69D8-3F87-A5F6D386D99A}"/>
+                <a16:creationId xmlns:a16="http://schemas.microsoft.com/office/drawing/2014/main" id="{E1A349BC-F04D-5931-33EE-9D4FFA5B11F6}"/>
               </a:ext>
             </a:extLst>
           </p:cNvPr>
@@ -2868,7 +2868,7 @@
           <p:cNvPr id="4" name="日期占位符 3">
             <a:extLst>
               <a:ext uri="{FF2B5EF4-FFF2-40B4-BE49-F238E27FC236}">
-                <a16:creationId xmlns:a16="http://schemas.microsoft.com/office/drawing/2014/main" id="{C8BB642E-753A-635F-6E2A-C3DA025A118C}"/>
+                <a16:creationId xmlns:a16="http://schemas.microsoft.com/office/drawing/2014/main" id="{1190F5A8-045C-81DA-AB11-920F1D34BEF9}"/>
               </a:ext>
             </a:extLst>
           </p:cNvPr>
@@ -2902,7 +2902,7 @@
             </a:lvl1pPr>
           </a:lstStyle>
           <a:p>
-            <a:fld id="{4519CA8D-13AD-4D97-AF05-969E463EBBA0}" type="datetimeFigureOut">
+            <a:fld id="{F452B307-13EB-4332-B702-24B4FFBA0315}" type="datetimeFigureOut">
               <a:rPr lang="zh-CN" altLang="en-US" smtClean="0"/>
               <a:t>2024/3/10</a:t>
             </a:fld>
@@ -2915,7 +2915,7 @@
           <p:cNvPr id="5" name="页脚占位符 4">
             <a:extLst>
               <a:ext uri="{FF2B5EF4-FFF2-40B4-BE49-F238E27FC236}">
-                <a16:creationId xmlns:a16="http://schemas.microsoft.com/office/drawing/2014/main" id="{30879FBE-351B-FA21-697F-151B4BA52135}"/>
+                <a16:creationId xmlns:a16="http://schemas.microsoft.com/office/drawing/2014/main" id="{E11E5820-3A71-64E5-405C-F9F5169B58B4}"/>
               </a:ext>
             </a:extLst>
           </p:cNvPr>
@@ -2958,7 +2958,7 @@
           <p:cNvPr id="6" name="灯片编号占位符 5">
             <a:extLst>
               <a:ext uri="{FF2B5EF4-FFF2-40B4-BE49-F238E27FC236}">
-                <a16:creationId xmlns:a16="http://schemas.microsoft.com/office/drawing/2014/main" id="{F59C38FD-4044-753D-1417-43684B790050}"/>
+                <a16:creationId xmlns:a16="http://schemas.microsoft.com/office/drawing/2014/main" id="{553AE714-7FB2-5A85-13C4-C474ACDF1466}"/>
               </a:ext>
             </a:extLst>
           </p:cNvPr>
@@ -2992,7 +2992,7 @@
             </a:lvl1pPr>
           </a:lstStyle>
           <a:p>
-            <a:fld id="{86260462-860C-4A93-BCC2-121A72E560C0}" type="slidenum">
+            <a:fld id="{736E9CE9-6554-44B1-BB83-294730CD553D}" type="slidenum">
               <a:rPr lang="zh-CN" altLang="en-US" smtClean="0"/>
               <a:t>‹#›</a:t>
             </a:fld>
@@ -3003,7 +3003,7 @@
     </p:spTree>
     <p:extLst>
       <p:ext uri="{BB962C8B-B14F-4D97-AF65-F5344CB8AC3E}">
-        <p14:creationId xmlns:p14="http://schemas.microsoft.com/office/powerpoint/2010/main" val="3346524788"/>
+        <p14:creationId xmlns:p14="http://schemas.microsoft.com/office/powerpoint/2010/main" val="2244279706"/>
       </p:ext>
     </p:extLst>
   </p:cSld>
